--- a/Otchyot_7_11-28_11.pptx
+++ b/Otchyot_7_11-28_11.pptx
@@ -5810,7 +5810,7 @@
         </p:nvSpPr>
         <p:spPr>
           <a:xfrm>
-            <a:off x="275136" y="1519966"/>
+            <a:off x="281055" y="1480764"/>
             <a:ext cx="4501050" cy="4829335"/>
           </a:xfrm>
           <a:prstGeom prst="rect">
@@ -6075,19 +6075,19 @@
               <a:rPr lang="ru-RU" sz="2800" dirty="0">
                 <a:latin typeface="Bahnschrift Light" panose="020B0502040204020203" pitchFamily="34" charset="0"/>
               </a:rPr>
-              <a:t>При попытке подключить </a:t>
-            </a:r>
-            <a:r>
-              <a:rPr lang="ru-RU" sz="2800" dirty="0" err="1">
+              <a:t>Корректно подгружается 3д-модель</a:t>
+            </a:r>
+            <a:r>
+              <a:rPr lang="en-US" sz="2800" dirty="0">
                 <a:latin typeface="Bahnschrift Light" panose="020B0502040204020203" pitchFamily="34" charset="0"/>
               </a:rPr>
-              <a:t>подгрузку</a:t>
+              <a:t>, </a:t>
             </a:r>
             <a:r>
               <a:rPr lang="ru-RU" sz="2800" dirty="0">
                 <a:latin typeface="Bahnschrift Light" panose="020B0502040204020203" pitchFamily="34" charset="0"/>
               </a:rPr>
-              <a:t> 3д-деталей всё ещё возникает ошибка</a:t>
+              <a:t>интерфейс и безошибочно работает функционал</a:t>
             </a:r>
           </a:p>
           <a:p>
@@ -6450,10 +6450,10 @@
       </p:pic>
       <p:pic>
         <p:nvPicPr>
-          <p:cNvPr id="6" name="Рисунок 5">
+          <p:cNvPr id="8" name="Рисунок 7">
             <a:extLst>
               <a:ext uri="{FF2B5EF4-FFF2-40B4-BE49-F238E27FC236}">
-                <a16:creationId xmlns:a16="http://schemas.microsoft.com/office/drawing/2014/main" id="{98965ED1-5A6F-4001-B1BD-C8EEEFEBCC62}"/>
+                <a16:creationId xmlns:a16="http://schemas.microsoft.com/office/drawing/2014/main" id="{BB84FF58-FEDE-4028-95ED-C29904BE301A}"/>
               </a:ext>
             </a:extLst>
           </p:cNvPr>
@@ -6470,8 +6470,8 @@
         </p:blipFill>
         <p:spPr>
           <a:xfrm>
-            <a:off x="4882522" y="3630892"/>
-            <a:ext cx="2197508" cy="3099642"/>
+            <a:off x="4971495" y="3744157"/>
+            <a:ext cx="1580225" cy="2962922"/>
           </a:xfrm>
           <a:prstGeom prst="rect">
             <a:avLst/>
@@ -7460,7 +7460,7 @@
         <p:spPr>
           <a:xfrm>
             <a:off x="640873" y="1436335"/>
-            <a:ext cx="9635651" cy="1384995"/>
+            <a:ext cx="4727128" cy="523220"/>
           </a:xfrm>
           <a:prstGeom prst="rect">
             <a:avLst/>
@@ -7472,36 +7472,6 @@
             <a:spAutoFit/>
           </a:bodyPr>
           <a:lstStyle/>
-          <a:p>
-            <a:pPr marL="457200" indent="-457200">
-              <a:buFont typeface="Arial" panose="020B0604020202020204" pitchFamily="34" charset="0"/>
-              <a:buChar char="•"/>
-            </a:pPr>
-            <a:r>
-              <a:rPr lang="ru-RU" sz="2800" dirty="0"/>
-              <a:t>Необходимо устранить все ошибки </a:t>
-            </a:r>
-            <a:r>
-              <a:rPr lang="ru-RU" sz="2800" dirty="0" err="1"/>
-              <a:t>подгрузки</a:t>
-            </a:r>
-            <a:r>
-              <a:rPr lang="ru-RU" sz="2800" dirty="0"/>
-              <a:t> 3</a:t>
-            </a:r>
-            <a:r>
-              <a:rPr lang="en-US" sz="2800" dirty="0"/>
-              <a:t>D</a:t>
-            </a:r>
-            <a:r>
-              <a:rPr lang="ru-RU" sz="2800" dirty="0"/>
-              <a:t>-деталей</a:t>
-            </a:r>
-            <a:endParaRPr lang="en-US" sz="2800" dirty="0"/>
-          </a:p>
-          <a:p>
-            <a:endParaRPr lang="ru-RU" sz="2800" dirty="0"/>
-          </a:p>
           <a:p>
             <a:pPr marL="457200" indent="-457200">
               <a:buFont typeface="Arial" panose="020B0604020202020204" pitchFamily="34" charset="0"/>

--- a/Otchyot_7_11-28_11.pptx
+++ b/Otchyot_7_11-28_11.pptx
@@ -9,11 +9,10 @@
     <p:sldId id="261" r:id="rId3"/>
     <p:sldId id="274" r:id="rId4"/>
     <p:sldId id="262" r:id="rId5"/>
-    <p:sldId id="266" r:id="rId6"/>
-    <p:sldId id="270" r:id="rId7"/>
-    <p:sldId id="271" r:id="rId8"/>
-    <p:sldId id="272" r:id="rId9"/>
-    <p:sldId id="273" r:id="rId10"/>
+    <p:sldId id="270" r:id="rId6"/>
+    <p:sldId id="271" r:id="rId7"/>
+    <p:sldId id="272" r:id="rId8"/>
+    <p:sldId id="273" r:id="rId9"/>
   </p:sldIdLst>
   <p:sldSz cx="12192000" cy="6858000"/>
   <p:notesSz cx="6858000" cy="9144000"/>
@@ -5267,427 +5266,6 @@
         </p:nvSpPr>
         <p:spPr>
           <a:xfrm>
-            <a:off x="4071892" y="35462"/>
-            <a:ext cx="7933677" cy="1049235"/>
-          </a:xfrm>
-          <a:prstGeom prst="rect">
-            <a:avLst/>
-          </a:prstGeom>
-        </p:spPr>
-        <p:txBody>
-          <a:bodyPr>
-            <a:normAutofit/>
-          </a:bodyPr>
-          <a:lstStyle>
-            <a:lvl1pPr algn="l" defTabSz="914400" rtl="0" eaLnBrk="1" latinLnBrk="0" hangingPunct="1">
-              <a:lnSpc>
-                <a:spcPct val="90000"/>
-              </a:lnSpc>
-              <a:spcBef>
-                <a:spcPct val="0"/>
-              </a:spcBef>
-              <a:buNone/>
-              <a:defRPr sz="3200" b="0" i="0" kern="1200" cap="all">
-                <a:solidFill>
-                  <a:schemeClr val="tx1"/>
-                </a:solidFill>
-                <a:effectLst/>
-                <a:latin typeface="+mj-lt"/>
-                <a:ea typeface="+mj-ea"/>
-                <a:cs typeface="+mj-cs"/>
-              </a:defRPr>
-            </a:lvl1pPr>
-          </a:lstStyle>
-          <a:p>
-            <a:r>
-              <a:rPr lang="ru-RU" sz="4000" dirty="0">
-                <a:latin typeface="Bahnschrift Light" panose="020B0502040204020203" pitchFamily="34" charset="0"/>
-              </a:rPr>
-              <a:t>Что было сделано (Бэкенд)</a:t>
-            </a:r>
-          </a:p>
-        </p:txBody>
-      </p:sp>
-      <p:cxnSp>
-        <p:nvCxnSpPr>
-          <p:cNvPr id="7" name="Прямая соединительная линия 6">
-            <a:extLst>
-              <a:ext uri="{FF2B5EF4-FFF2-40B4-BE49-F238E27FC236}">
-                <a16:creationId xmlns:a16="http://schemas.microsoft.com/office/drawing/2014/main" id="{86059211-463A-4204-B55A-91B418261AA5}"/>
-              </a:ext>
-            </a:extLst>
-          </p:cNvPr>
-          <p:cNvCxnSpPr/>
-          <p:nvPr/>
-        </p:nvCxnSpPr>
-        <p:spPr>
-          <a:xfrm>
-            <a:off x="3249228" y="672188"/>
-            <a:ext cx="8495930" cy="0"/>
-          </a:xfrm>
-          <a:prstGeom prst="line">
-            <a:avLst/>
-          </a:prstGeom>
-          <a:ln w="19050">
-            <a:solidFill>
-              <a:srgbClr val="64421D"/>
-            </a:solidFill>
-          </a:ln>
-        </p:spPr>
-        <p:style>
-          <a:lnRef idx="1">
-            <a:schemeClr val="accent1"/>
-          </a:lnRef>
-          <a:fillRef idx="0">
-            <a:schemeClr val="accent1"/>
-          </a:fillRef>
-          <a:effectRef idx="0">
-            <a:schemeClr val="accent1"/>
-          </a:effectRef>
-          <a:fontRef idx="minor">
-            <a:schemeClr val="tx1"/>
-          </a:fontRef>
-        </p:style>
-      </p:cxnSp>
-      <p:sp>
-        <p:nvSpPr>
-          <p:cNvPr id="11" name="Объект 2">
-            <a:extLst>
-              <a:ext uri="{FF2B5EF4-FFF2-40B4-BE49-F238E27FC236}">
-                <a16:creationId xmlns:a16="http://schemas.microsoft.com/office/drawing/2014/main" id="{F21D186E-3CD9-4676-ABC9-4081659D367A}"/>
-              </a:ext>
-            </a:extLst>
-          </p:cNvPr>
-          <p:cNvSpPr txBox="1">
-            <a:spLocks/>
-          </p:cNvSpPr>
-          <p:nvPr/>
-        </p:nvSpPr>
-        <p:spPr>
-          <a:xfrm>
-            <a:off x="377996" y="154254"/>
-            <a:ext cx="10733175" cy="1397465"/>
-          </a:xfrm>
-          <a:prstGeom prst="rect">
-            <a:avLst/>
-          </a:prstGeom>
-        </p:spPr>
-        <p:txBody>
-          <a:bodyPr>
-            <a:normAutofit/>
-          </a:bodyPr>
-          <a:lstStyle>
-            <a:lvl1pPr marL="228600" indent="-228600" algn="l" defTabSz="914400" rtl="0" eaLnBrk="1" latinLnBrk="0" hangingPunct="1">
-              <a:lnSpc>
-                <a:spcPct val="120000"/>
-              </a:lnSpc>
-              <a:spcBef>
-                <a:spcPts val="1000"/>
-              </a:spcBef>
-              <a:buClr>
-                <a:schemeClr val="accent1"/>
-              </a:buClr>
-              <a:buSzPct val="100000"/>
-              <a:buFont typeface="Arial" panose="020B0604020202020204" pitchFamily="34" charset="0"/>
-              <a:buChar char="•"/>
-              <a:defRPr sz="2000" kern="1200">
-                <a:solidFill>
-                  <a:schemeClr val="tx1"/>
-                </a:solidFill>
-                <a:effectLst/>
-                <a:latin typeface="+mn-lt"/>
-                <a:ea typeface="+mn-ea"/>
-                <a:cs typeface="+mn-cs"/>
-              </a:defRPr>
-            </a:lvl1pPr>
-            <a:lvl2pPr marL="685800" indent="-228600" algn="l" defTabSz="914400" rtl="0" eaLnBrk="1" latinLnBrk="0" hangingPunct="1">
-              <a:lnSpc>
-                <a:spcPct val="120000"/>
-              </a:lnSpc>
-              <a:spcBef>
-                <a:spcPts val="500"/>
-              </a:spcBef>
-              <a:buClr>
-                <a:schemeClr val="accent1"/>
-              </a:buClr>
-              <a:buSzPct val="100000"/>
-              <a:buFont typeface="Arial" panose="020B0604020202020204" pitchFamily="34" charset="0"/>
-              <a:buChar char="•"/>
-              <a:defRPr sz="1800" kern="1200" cap="none" baseline="0">
-                <a:solidFill>
-                  <a:schemeClr val="tx1"/>
-                </a:solidFill>
-                <a:effectLst/>
-                <a:latin typeface="+mn-lt"/>
-                <a:ea typeface="+mn-ea"/>
-                <a:cs typeface="+mn-cs"/>
-              </a:defRPr>
-            </a:lvl2pPr>
-            <a:lvl3pPr marL="1143000" indent="-228600" algn="l" defTabSz="914400" rtl="0" eaLnBrk="1" latinLnBrk="0" hangingPunct="1">
-              <a:lnSpc>
-                <a:spcPct val="120000"/>
-              </a:lnSpc>
-              <a:spcBef>
-                <a:spcPts val="500"/>
-              </a:spcBef>
-              <a:buClr>
-                <a:schemeClr val="accent1"/>
-              </a:buClr>
-              <a:buSzPct val="100000"/>
-              <a:buFont typeface="Arial" panose="020B0604020202020204" pitchFamily="34" charset="0"/>
-              <a:buChar char="•"/>
-              <a:defRPr sz="1600" kern="1200">
-                <a:solidFill>
-                  <a:schemeClr val="tx1"/>
-                </a:solidFill>
-                <a:effectLst/>
-                <a:latin typeface="+mn-lt"/>
-                <a:ea typeface="+mn-ea"/>
-                <a:cs typeface="+mn-cs"/>
-              </a:defRPr>
-            </a:lvl3pPr>
-            <a:lvl4pPr marL="1600200" indent="-228600" algn="l" defTabSz="914400" rtl="0" eaLnBrk="1" latinLnBrk="0" hangingPunct="1">
-              <a:lnSpc>
-                <a:spcPct val="120000"/>
-              </a:lnSpc>
-              <a:spcBef>
-                <a:spcPts val="500"/>
-              </a:spcBef>
-              <a:buClr>
-                <a:schemeClr val="accent1"/>
-              </a:buClr>
-              <a:buSzPct val="100000"/>
-              <a:buFont typeface="Arial" panose="020B0604020202020204" pitchFamily="34" charset="0"/>
-              <a:buChar char="•"/>
-              <a:defRPr sz="1400" kern="1200" cap="none" baseline="0">
-                <a:solidFill>
-                  <a:schemeClr val="tx1"/>
-                </a:solidFill>
-                <a:effectLst/>
-                <a:latin typeface="+mn-lt"/>
-                <a:ea typeface="+mn-ea"/>
-                <a:cs typeface="+mn-cs"/>
-              </a:defRPr>
-            </a:lvl4pPr>
-            <a:lvl5pPr marL="2057400" indent="-228600" algn="l" defTabSz="914400" rtl="0" eaLnBrk="1" latinLnBrk="0" hangingPunct="1">
-              <a:lnSpc>
-                <a:spcPct val="120000"/>
-              </a:lnSpc>
-              <a:spcBef>
-                <a:spcPts val="500"/>
-              </a:spcBef>
-              <a:buClr>
-                <a:schemeClr val="accent1"/>
-              </a:buClr>
-              <a:buSzPct val="100000"/>
-              <a:buFont typeface="Arial" panose="020B0604020202020204" pitchFamily="34" charset="0"/>
-              <a:buChar char="•"/>
-              <a:defRPr sz="1200" kern="1200">
-                <a:solidFill>
-                  <a:schemeClr val="tx1"/>
-                </a:solidFill>
-                <a:effectLst/>
-                <a:latin typeface="+mn-lt"/>
-                <a:ea typeface="+mn-ea"/>
-                <a:cs typeface="+mn-cs"/>
-              </a:defRPr>
-            </a:lvl5pPr>
-            <a:lvl6pPr marL="2514600" indent="-228600" algn="l" defTabSz="914400" rtl="0" eaLnBrk="1" latinLnBrk="0" hangingPunct="1">
-              <a:lnSpc>
-                <a:spcPct val="120000"/>
-              </a:lnSpc>
-              <a:spcBef>
-                <a:spcPts val="500"/>
-              </a:spcBef>
-              <a:buClr>
-                <a:schemeClr val="accent1"/>
-              </a:buClr>
-              <a:buSzPct val="100000"/>
-              <a:buFont typeface="Arial" panose="020B0604020202020204" pitchFamily="34" charset="0"/>
-              <a:buChar char="•"/>
-              <a:defRPr sz="1200" kern="1200">
-                <a:solidFill>
-                  <a:schemeClr val="tx1"/>
-                </a:solidFill>
-                <a:effectLst/>
-                <a:latin typeface="+mn-lt"/>
-                <a:ea typeface="+mn-ea"/>
-                <a:cs typeface="+mn-cs"/>
-              </a:defRPr>
-            </a:lvl6pPr>
-            <a:lvl7pPr marL="2971800" indent="-228600" algn="l" defTabSz="914400" rtl="0" eaLnBrk="1" latinLnBrk="0" hangingPunct="1">
-              <a:lnSpc>
-                <a:spcPct val="120000"/>
-              </a:lnSpc>
-              <a:spcBef>
-                <a:spcPts val="500"/>
-              </a:spcBef>
-              <a:buClr>
-                <a:schemeClr val="accent1"/>
-              </a:buClr>
-              <a:buSzPct val="100000"/>
-              <a:buFont typeface="Arial" panose="020B0604020202020204" pitchFamily="34" charset="0"/>
-              <a:buChar char="•"/>
-              <a:defRPr sz="1200" kern="1200">
-                <a:solidFill>
-                  <a:schemeClr val="tx1"/>
-                </a:solidFill>
-                <a:effectLst/>
-                <a:latin typeface="+mn-lt"/>
-                <a:ea typeface="+mn-ea"/>
-                <a:cs typeface="+mn-cs"/>
-              </a:defRPr>
-            </a:lvl7pPr>
-            <a:lvl8pPr marL="3429000" indent="-228600" algn="l" defTabSz="914400" rtl="0" eaLnBrk="1" latinLnBrk="0" hangingPunct="1">
-              <a:lnSpc>
-                <a:spcPct val="120000"/>
-              </a:lnSpc>
-              <a:spcBef>
-                <a:spcPts val="500"/>
-              </a:spcBef>
-              <a:buClr>
-                <a:schemeClr val="accent1"/>
-              </a:buClr>
-              <a:buSzPct val="100000"/>
-              <a:buFont typeface="Arial" panose="020B0604020202020204" pitchFamily="34" charset="0"/>
-              <a:buChar char="•"/>
-              <a:defRPr sz="1200" kern="1200" baseline="0">
-                <a:solidFill>
-                  <a:schemeClr val="tx1"/>
-                </a:solidFill>
-                <a:effectLst/>
-                <a:latin typeface="+mn-lt"/>
-                <a:ea typeface="+mn-ea"/>
-                <a:cs typeface="+mn-cs"/>
-              </a:defRPr>
-            </a:lvl8pPr>
-            <a:lvl9pPr marL="3886200" indent="-228600" algn="l" defTabSz="914400" rtl="0" eaLnBrk="1" latinLnBrk="0" hangingPunct="1">
-              <a:lnSpc>
-                <a:spcPct val="120000"/>
-              </a:lnSpc>
-              <a:spcBef>
-                <a:spcPts val="500"/>
-              </a:spcBef>
-              <a:buClr>
-                <a:schemeClr val="accent1"/>
-              </a:buClr>
-              <a:buSzPct val="100000"/>
-              <a:buFont typeface="Arial" panose="020B0604020202020204" pitchFamily="34" charset="0"/>
-              <a:buChar char="•"/>
-              <a:defRPr sz="1200" kern="1200" baseline="0">
-                <a:solidFill>
-                  <a:schemeClr val="tx1"/>
-                </a:solidFill>
-                <a:effectLst/>
-                <a:latin typeface="+mn-lt"/>
-                <a:ea typeface="+mn-ea"/>
-                <a:cs typeface="+mn-cs"/>
-              </a:defRPr>
-            </a:lvl9pPr>
-          </a:lstStyle>
-          <a:p>
-            <a:pPr marL="0" indent="0">
-              <a:buNone/>
-            </a:pPr>
-            <a:r>
-              <a:rPr lang="en-US" dirty="0">
-                <a:latin typeface="Bahnschrift Light" panose="020B0502040204020203" pitchFamily="34" charset="0"/>
-              </a:rPr>
-              <a:t>Swagger</a:t>
-            </a:r>
-          </a:p>
-          <a:p>
-            <a:pPr marL="0" indent="0">
-              <a:buNone/>
-            </a:pPr>
-            <a:r>
-              <a:rPr lang="en-US" dirty="0">
-                <a:latin typeface="Bahnschrift Light" panose="020B0502040204020203" pitchFamily="34" charset="0"/>
-              </a:rPr>
-              <a:t>https://app.swaggerhub.com/apis-docs/izzager/UntitledOrganizerApp/1.0.0#/</a:t>
-            </a:r>
-            <a:endParaRPr lang="ru-RU" dirty="0">
-              <a:latin typeface="Bahnschrift Light" panose="020B0502040204020203" pitchFamily="34" charset="0"/>
-            </a:endParaRPr>
-          </a:p>
-        </p:txBody>
-      </p:sp>
-      <p:pic>
-        <p:nvPicPr>
-          <p:cNvPr id="16" name="Рисунок 15">
-            <a:extLst>
-              <a:ext uri="{FF2B5EF4-FFF2-40B4-BE49-F238E27FC236}">
-                <a16:creationId xmlns:a16="http://schemas.microsoft.com/office/drawing/2014/main" id="{BE5BEB3C-98CE-43C2-87AC-D67E8536236B}"/>
-              </a:ext>
-            </a:extLst>
-          </p:cNvPr>
-          <p:cNvPicPr>
-            <a:picLocks noChangeAspect="1"/>
-          </p:cNvPicPr>
-          <p:nvPr/>
-        </p:nvPicPr>
-        <p:blipFill>
-          <a:blip r:embed="rId2"/>
-          <a:stretch>
-            <a:fillRect/>
-          </a:stretch>
-        </p:blipFill>
-        <p:spPr>
-          <a:xfrm>
-            <a:off x="2738437" y="1551719"/>
-            <a:ext cx="6715125" cy="4210050"/>
-          </a:xfrm>
-          <a:prstGeom prst="rect">
-            <a:avLst/>
-          </a:prstGeom>
-        </p:spPr>
-      </p:pic>
-    </p:spTree>
-    <p:extLst>
-      <p:ext uri="{BB962C8B-B14F-4D97-AF65-F5344CB8AC3E}">
-        <p14:creationId xmlns:p14="http://schemas.microsoft.com/office/powerpoint/2010/main" val="2939361415"/>
-      </p:ext>
-    </p:extLst>
-  </p:cSld>
-  <p:clrMapOvr>
-    <a:masterClrMapping/>
-  </p:clrMapOvr>
-</p:sld>
-</file>
-
-<file path=ppt/slides/slide6.xml><?xml version="1.0" encoding="utf-8"?>
-<p:sld xmlns:a="http://schemas.openxmlformats.org/drawingml/2006/main" xmlns:r="http://schemas.openxmlformats.org/officeDocument/2006/relationships" xmlns:p="http://schemas.openxmlformats.org/presentationml/2006/main">
-  <p:cSld>
-    <p:spTree>
-      <p:nvGrpSpPr>
-        <p:cNvPr id="1" name=""/>
-        <p:cNvGrpSpPr/>
-        <p:nvPr/>
-      </p:nvGrpSpPr>
-      <p:grpSpPr>
-        <a:xfrm>
-          <a:off x="0" y="0"/>
-          <a:ext cx="0" cy="0"/>
-          <a:chOff x="0" y="0"/>
-          <a:chExt cx="0" cy="0"/>
-        </a:xfrm>
-      </p:grpSpPr>
-      <p:sp>
-        <p:nvSpPr>
-          <p:cNvPr id="2" name="Заголовок 1">
-            <a:extLst>
-              <a:ext uri="{FF2B5EF4-FFF2-40B4-BE49-F238E27FC236}">
-                <a16:creationId xmlns:a16="http://schemas.microsoft.com/office/drawing/2014/main" id="{123399B2-B50F-47BD-B76E-36467151B034}"/>
-              </a:ext>
-            </a:extLst>
-          </p:cNvPr>
-          <p:cNvSpPr txBox="1">
-            <a:spLocks/>
-          </p:cNvSpPr>
-          <p:nvPr/>
-        </p:nvSpPr>
-        <p:spPr>
-          <a:xfrm>
             <a:off x="3808521" y="-68276"/>
             <a:ext cx="8490011" cy="1049235"/>
           </a:xfrm>
@@ -6491,7 +6069,7 @@
 </p:sld>
 </file>
 
-<file path=ppt/slides/slide7.xml><?xml version="1.0" encoding="utf-8"?>
+<file path=ppt/slides/slide6.xml><?xml version="1.0" encoding="utf-8"?>
 <p:sld xmlns:a="http://schemas.openxmlformats.org/drawingml/2006/main" xmlns:r="http://schemas.openxmlformats.org/officeDocument/2006/relationships" xmlns:p="http://schemas.openxmlformats.org/presentationml/2006/main">
   <p:cSld>
     <p:spTree>
@@ -7330,6 +6908,188 @@
 </p:sld>
 </file>
 
+<file path=ppt/slides/slide7.xml><?xml version="1.0" encoding="utf-8"?>
+<p:sld xmlns:a="http://schemas.openxmlformats.org/drawingml/2006/main" xmlns:r="http://schemas.openxmlformats.org/officeDocument/2006/relationships" xmlns:p="http://schemas.openxmlformats.org/presentationml/2006/main">
+  <p:cSld>
+    <p:spTree>
+      <p:nvGrpSpPr>
+        <p:cNvPr id="1" name=""/>
+        <p:cNvGrpSpPr/>
+        <p:nvPr/>
+      </p:nvGrpSpPr>
+      <p:grpSpPr>
+        <a:xfrm>
+          <a:off x="0" y="0"/>
+          <a:ext cx="0" cy="0"/>
+          <a:chOff x="0" y="0"/>
+          <a:chExt cx="0" cy="0"/>
+        </a:xfrm>
+      </p:grpSpPr>
+      <p:sp>
+        <p:nvSpPr>
+          <p:cNvPr id="2" name="Заголовок 1">
+            <a:extLst>
+              <a:ext uri="{FF2B5EF4-FFF2-40B4-BE49-F238E27FC236}">
+                <a16:creationId xmlns:a16="http://schemas.microsoft.com/office/drawing/2014/main" id="{123399B2-B50F-47BD-B76E-36467151B034}"/>
+              </a:ext>
+            </a:extLst>
+          </p:cNvPr>
+          <p:cNvSpPr txBox="1">
+            <a:spLocks/>
+          </p:cNvSpPr>
+          <p:nvPr/>
+        </p:nvSpPr>
+        <p:spPr>
+          <a:xfrm>
+            <a:off x="2965142" y="220526"/>
+            <a:ext cx="8663867" cy="1049235"/>
+          </a:xfrm>
+          <a:prstGeom prst="rect">
+            <a:avLst/>
+          </a:prstGeom>
+        </p:spPr>
+        <p:txBody>
+          <a:bodyPr>
+            <a:normAutofit fontScale="92500"/>
+          </a:bodyPr>
+          <a:lstStyle>
+            <a:lvl1pPr algn="l" defTabSz="914400" rtl="0" eaLnBrk="1" latinLnBrk="0" hangingPunct="1">
+              <a:lnSpc>
+                <a:spcPct val="90000"/>
+              </a:lnSpc>
+              <a:spcBef>
+                <a:spcPct val="0"/>
+              </a:spcBef>
+              <a:buNone/>
+              <a:defRPr sz="3200" b="0" i="0" kern="1200" cap="all">
+                <a:solidFill>
+                  <a:schemeClr val="tx1"/>
+                </a:solidFill>
+                <a:effectLst/>
+                <a:latin typeface="+mj-lt"/>
+                <a:ea typeface="+mj-ea"/>
+                <a:cs typeface="+mj-cs"/>
+              </a:defRPr>
+            </a:lvl1pPr>
+          </a:lstStyle>
+          <a:p>
+            <a:r>
+              <a:rPr lang="ru-RU" sz="4000" dirty="0">
+                <a:latin typeface="Bahnschrift Light" panose="020B0502040204020203" pitchFamily="34" charset="0"/>
+              </a:rPr>
+              <a:t>Что запланировано на 28.11-12.12</a:t>
+            </a:r>
+          </a:p>
+        </p:txBody>
+      </p:sp>
+      <p:cxnSp>
+        <p:nvCxnSpPr>
+          <p:cNvPr id="7" name="Прямая соединительная линия 6">
+            <a:extLst>
+              <a:ext uri="{FF2B5EF4-FFF2-40B4-BE49-F238E27FC236}">
+                <a16:creationId xmlns:a16="http://schemas.microsoft.com/office/drawing/2014/main" id="{86059211-463A-4204-B55A-91B418261AA5}"/>
+              </a:ext>
+            </a:extLst>
+          </p:cNvPr>
+          <p:cNvCxnSpPr/>
+          <p:nvPr/>
+        </p:nvCxnSpPr>
+        <p:spPr>
+          <a:xfrm>
+            <a:off x="2876365" y="920763"/>
+            <a:ext cx="8495930" cy="0"/>
+          </a:xfrm>
+          <a:prstGeom prst="line">
+            <a:avLst/>
+          </a:prstGeom>
+          <a:ln w="19050">
+            <a:solidFill>
+              <a:srgbClr val="64421D"/>
+            </a:solidFill>
+          </a:ln>
+        </p:spPr>
+        <p:style>
+          <a:lnRef idx="1">
+            <a:schemeClr val="accent1"/>
+          </a:lnRef>
+          <a:fillRef idx="0">
+            <a:schemeClr val="accent1"/>
+          </a:fillRef>
+          <a:effectRef idx="0">
+            <a:schemeClr val="accent1"/>
+          </a:effectRef>
+          <a:fontRef idx="minor">
+            <a:schemeClr val="tx1"/>
+          </a:fontRef>
+        </p:style>
+      </p:cxnSp>
+      <p:sp>
+        <p:nvSpPr>
+          <p:cNvPr id="3" name="TextBox 2">
+            <a:extLst>
+              <a:ext uri="{FF2B5EF4-FFF2-40B4-BE49-F238E27FC236}">
+                <a16:creationId xmlns:a16="http://schemas.microsoft.com/office/drawing/2014/main" id="{F9C6666E-C2EC-41E1-A975-5C5E0F52FE55}"/>
+              </a:ext>
+            </a:extLst>
+          </p:cNvPr>
+          <p:cNvSpPr txBox="1"/>
+          <p:nvPr/>
+        </p:nvSpPr>
+        <p:spPr>
+          <a:xfrm>
+            <a:off x="640873" y="1436335"/>
+            <a:ext cx="4727128" cy="954107"/>
+          </a:xfrm>
+          <a:prstGeom prst="rect">
+            <a:avLst/>
+          </a:prstGeom>
+          <a:noFill/>
+        </p:spPr>
+        <p:txBody>
+          <a:bodyPr wrap="none" rtlCol="0">
+            <a:spAutoFit/>
+          </a:bodyPr>
+          <a:lstStyle/>
+          <a:p>
+            <a:pPr marL="457200" indent="-457200">
+              <a:buFont typeface="Arial" panose="020B0604020202020204" pitchFamily="34" charset="0"/>
+              <a:buChar char="•"/>
+            </a:pPr>
+            <a:r>
+              <a:rPr lang="ru-RU" sz="2800" dirty="0"/>
+              <a:t>Начать встраивать </a:t>
+            </a:r>
+            <a:r>
+              <a:rPr lang="en-US" sz="2800" dirty="0"/>
+              <a:t>Security</a:t>
+            </a:r>
+            <a:endParaRPr lang="ru-RU" sz="2800" dirty="0"/>
+          </a:p>
+          <a:p>
+            <a:pPr marL="457200" indent="-457200">
+              <a:buFont typeface="Arial" panose="020B0604020202020204" pitchFamily="34" charset="0"/>
+              <a:buChar char="•"/>
+            </a:pPr>
+            <a:r>
+              <a:rPr lang="ru-RU" sz="2800" dirty="0"/>
+              <a:t>Улучшать интерфейс</a:t>
+            </a:r>
+          </a:p>
+        </p:txBody>
+      </p:sp>
+    </p:spTree>
+    <p:extLst>
+      <p:ext uri="{BB962C8B-B14F-4D97-AF65-F5344CB8AC3E}">
+        <p14:creationId xmlns:p14="http://schemas.microsoft.com/office/powerpoint/2010/main" val="4061912244"/>
+      </p:ext>
+    </p:extLst>
+  </p:cSld>
+  <p:clrMapOvr>
+    <a:masterClrMapping/>
+  </p:clrMapOvr>
+</p:sld>
+</file>
+
 <file path=ppt/slides/slide8.xml><?xml version="1.0" encoding="utf-8"?>
 <p:sld xmlns:a="http://schemas.openxmlformats.org/drawingml/2006/main" xmlns:r="http://schemas.openxmlformats.org/officeDocument/2006/relationships" xmlns:p="http://schemas.openxmlformats.org/presentationml/2006/main">
   <p:cSld>
@@ -7363,178 +7123,6 @@
         </p:nvSpPr>
         <p:spPr>
           <a:xfrm>
-            <a:off x="2965142" y="220526"/>
-            <a:ext cx="8663867" cy="1049235"/>
-          </a:xfrm>
-          <a:prstGeom prst="rect">
-            <a:avLst/>
-          </a:prstGeom>
-        </p:spPr>
-        <p:txBody>
-          <a:bodyPr>
-            <a:normAutofit fontScale="92500"/>
-          </a:bodyPr>
-          <a:lstStyle>
-            <a:lvl1pPr algn="l" defTabSz="914400" rtl="0" eaLnBrk="1" latinLnBrk="0" hangingPunct="1">
-              <a:lnSpc>
-                <a:spcPct val="90000"/>
-              </a:lnSpc>
-              <a:spcBef>
-                <a:spcPct val="0"/>
-              </a:spcBef>
-              <a:buNone/>
-              <a:defRPr sz="3200" b="0" i="0" kern="1200" cap="all">
-                <a:solidFill>
-                  <a:schemeClr val="tx1"/>
-                </a:solidFill>
-                <a:effectLst/>
-                <a:latin typeface="+mj-lt"/>
-                <a:ea typeface="+mj-ea"/>
-                <a:cs typeface="+mj-cs"/>
-              </a:defRPr>
-            </a:lvl1pPr>
-          </a:lstStyle>
-          <a:p>
-            <a:r>
-              <a:rPr lang="ru-RU" sz="4000" dirty="0">
-                <a:latin typeface="Bahnschrift Light" panose="020B0502040204020203" pitchFamily="34" charset="0"/>
-              </a:rPr>
-              <a:t>Что запланировано на 28.11-12.12</a:t>
-            </a:r>
-          </a:p>
-        </p:txBody>
-      </p:sp>
-      <p:cxnSp>
-        <p:nvCxnSpPr>
-          <p:cNvPr id="7" name="Прямая соединительная линия 6">
-            <a:extLst>
-              <a:ext uri="{FF2B5EF4-FFF2-40B4-BE49-F238E27FC236}">
-                <a16:creationId xmlns:a16="http://schemas.microsoft.com/office/drawing/2014/main" id="{86059211-463A-4204-B55A-91B418261AA5}"/>
-              </a:ext>
-            </a:extLst>
-          </p:cNvPr>
-          <p:cNvCxnSpPr/>
-          <p:nvPr/>
-        </p:nvCxnSpPr>
-        <p:spPr>
-          <a:xfrm>
-            <a:off x="2876365" y="920763"/>
-            <a:ext cx="8495930" cy="0"/>
-          </a:xfrm>
-          <a:prstGeom prst="line">
-            <a:avLst/>
-          </a:prstGeom>
-          <a:ln w="19050">
-            <a:solidFill>
-              <a:srgbClr val="64421D"/>
-            </a:solidFill>
-          </a:ln>
-        </p:spPr>
-        <p:style>
-          <a:lnRef idx="1">
-            <a:schemeClr val="accent1"/>
-          </a:lnRef>
-          <a:fillRef idx="0">
-            <a:schemeClr val="accent1"/>
-          </a:fillRef>
-          <a:effectRef idx="0">
-            <a:schemeClr val="accent1"/>
-          </a:effectRef>
-          <a:fontRef idx="minor">
-            <a:schemeClr val="tx1"/>
-          </a:fontRef>
-        </p:style>
-      </p:cxnSp>
-      <p:sp>
-        <p:nvSpPr>
-          <p:cNvPr id="3" name="TextBox 2">
-            <a:extLst>
-              <a:ext uri="{FF2B5EF4-FFF2-40B4-BE49-F238E27FC236}">
-                <a16:creationId xmlns:a16="http://schemas.microsoft.com/office/drawing/2014/main" id="{F9C6666E-C2EC-41E1-A975-5C5E0F52FE55}"/>
-              </a:ext>
-            </a:extLst>
-          </p:cNvPr>
-          <p:cNvSpPr txBox="1"/>
-          <p:nvPr/>
-        </p:nvSpPr>
-        <p:spPr>
-          <a:xfrm>
-            <a:off x="640873" y="1436335"/>
-            <a:ext cx="4727128" cy="523220"/>
-          </a:xfrm>
-          <a:prstGeom prst="rect">
-            <a:avLst/>
-          </a:prstGeom>
-          <a:noFill/>
-        </p:spPr>
-        <p:txBody>
-          <a:bodyPr wrap="none" rtlCol="0">
-            <a:spAutoFit/>
-          </a:bodyPr>
-          <a:lstStyle/>
-          <a:p>
-            <a:pPr marL="457200" indent="-457200">
-              <a:buFont typeface="Arial" panose="020B0604020202020204" pitchFamily="34" charset="0"/>
-              <a:buChar char="•"/>
-            </a:pPr>
-            <a:r>
-              <a:rPr lang="ru-RU" sz="2800" dirty="0"/>
-              <a:t>Начать встраивать </a:t>
-            </a:r>
-            <a:r>
-              <a:rPr lang="en-US" sz="2800" dirty="0"/>
-              <a:t>Security</a:t>
-            </a:r>
-            <a:endParaRPr lang="ru-RU" sz="2800" dirty="0"/>
-          </a:p>
-        </p:txBody>
-      </p:sp>
-    </p:spTree>
-    <p:extLst>
-      <p:ext uri="{BB962C8B-B14F-4D97-AF65-F5344CB8AC3E}">
-        <p14:creationId xmlns:p14="http://schemas.microsoft.com/office/powerpoint/2010/main" val="4061912244"/>
-      </p:ext>
-    </p:extLst>
-  </p:cSld>
-  <p:clrMapOvr>
-    <a:masterClrMapping/>
-  </p:clrMapOvr>
-</p:sld>
-</file>
-
-<file path=ppt/slides/slide9.xml><?xml version="1.0" encoding="utf-8"?>
-<p:sld xmlns:a="http://schemas.openxmlformats.org/drawingml/2006/main" xmlns:r="http://schemas.openxmlformats.org/officeDocument/2006/relationships" xmlns:p="http://schemas.openxmlformats.org/presentationml/2006/main">
-  <p:cSld>
-    <p:spTree>
-      <p:nvGrpSpPr>
-        <p:cNvPr id="1" name=""/>
-        <p:cNvGrpSpPr/>
-        <p:nvPr/>
-      </p:nvGrpSpPr>
-      <p:grpSpPr>
-        <a:xfrm>
-          <a:off x="0" y="0"/>
-          <a:ext cx="0" cy="0"/>
-          <a:chOff x="0" y="0"/>
-          <a:chExt cx="0" cy="0"/>
-        </a:xfrm>
-      </p:grpSpPr>
-      <p:sp>
-        <p:nvSpPr>
-          <p:cNvPr id="2" name="Заголовок 1">
-            <a:extLst>
-              <a:ext uri="{FF2B5EF4-FFF2-40B4-BE49-F238E27FC236}">
-                <a16:creationId xmlns:a16="http://schemas.microsoft.com/office/drawing/2014/main" id="{123399B2-B50F-47BD-B76E-36467151B034}"/>
-              </a:ext>
-            </a:extLst>
-          </p:cNvPr>
-          <p:cNvSpPr txBox="1">
-            <a:spLocks/>
-          </p:cNvSpPr>
-          <p:nvPr/>
-        </p:nvSpPr>
-        <p:spPr>
-          <a:xfrm>
             <a:off x="3500761" y="304864"/>
             <a:ext cx="9603275" cy="1049235"/>
           </a:xfrm>
@@ -7843,7 +7431,7 @@
               <a:rPr lang="ru-RU" sz="3200" dirty="0" err="1">
                 <a:latin typeface="Bahnschrift Light" panose="020B0502040204020203" pitchFamily="34" charset="0"/>
               </a:rPr>
-              <a:t>фронтэнд</a:t>
+              <a:t>фронтенд</a:t>
             </a:r>
             <a:endParaRPr lang="en-US" sz="3200" dirty="0">
               <a:latin typeface="Bahnschrift Light" panose="020B0502040204020203" pitchFamily="34" charset="0"/>
@@ -7872,7 +7460,7 @@
               <a:rPr lang="ru-RU" sz="3200" dirty="0" err="1">
                 <a:latin typeface="Bahnschrift Light" panose="020B0502040204020203" pitchFamily="34" charset="0"/>
               </a:rPr>
-              <a:t>фронтэнд</a:t>
+              <a:t>фронтенд</a:t>
             </a:r>
             <a:endParaRPr lang="en-US" sz="3200" dirty="0">
               <a:latin typeface="Bahnschrift Light" panose="020B0502040204020203" pitchFamily="34" charset="0"/>
